--- a/TDD/bowlinggameOO/tdd_count/错误记录.pptx
+++ b/TDD/bowlinggameOO/tdd_count/错误记录.pptx
@@ -246,7 +246,7 @@
           <a:p>
             <a:fld id="{D997B5FA-0921-464F-AAE1-844C04324D75}" type="datetimeFigureOut">
               <a:rPr lang="zh-CN" altLang="en-US" smtClean="0"/>
-              <a:t>2018/1/25</a:t>
+              <a:t>2018/1/28</a:t>
             </a:fld>
             <a:endParaRPr lang="zh-CN" altLang="en-US"/>
           </a:p>
@@ -416,7 +416,7 @@
           <a:p>
             <a:fld id="{D997B5FA-0921-464F-AAE1-844C04324D75}" type="datetimeFigureOut">
               <a:rPr lang="zh-CN" altLang="en-US" smtClean="0"/>
-              <a:t>2018/1/25</a:t>
+              <a:t>2018/1/28</a:t>
             </a:fld>
             <a:endParaRPr lang="zh-CN" altLang="en-US"/>
           </a:p>
@@ -596,7 +596,7 @@
           <a:p>
             <a:fld id="{D997B5FA-0921-464F-AAE1-844C04324D75}" type="datetimeFigureOut">
               <a:rPr lang="zh-CN" altLang="en-US" smtClean="0"/>
-              <a:t>2018/1/25</a:t>
+              <a:t>2018/1/28</a:t>
             </a:fld>
             <a:endParaRPr lang="zh-CN" altLang="en-US"/>
           </a:p>
@@ -766,7 +766,7 @@
           <a:p>
             <a:fld id="{D997B5FA-0921-464F-AAE1-844C04324D75}" type="datetimeFigureOut">
               <a:rPr lang="zh-CN" altLang="en-US" smtClean="0"/>
-              <a:t>2018/1/25</a:t>
+              <a:t>2018/1/28</a:t>
             </a:fld>
             <a:endParaRPr lang="zh-CN" altLang="en-US"/>
           </a:p>
@@ -1012,7 +1012,7 @@
           <a:p>
             <a:fld id="{D997B5FA-0921-464F-AAE1-844C04324D75}" type="datetimeFigureOut">
               <a:rPr lang="zh-CN" altLang="en-US" smtClean="0"/>
-              <a:t>2018/1/25</a:t>
+              <a:t>2018/1/28</a:t>
             </a:fld>
             <a:endParaRPr lang="zh-CN" altLang="en-US"/>
           </a:p>
@@ -1244,7 +1244,7 @@
           <a:p>
             <a:fld id="{D997B5FA-0921-464F-AAE1-844C04324D75}" type="datetimeFigureOut">
               <a:rPr lang="zh-CN" altLang="en-US" smtClean="0"/>
-              <a:t>2018/1/25</a:t>
+              <a:t>2018/1/28</a:t>
             </a:fld>
             <a:endParaRPr lang="zh-CN" altLang="en-US"/>
           </a:p>
@@ -1611,7 +1611,7 @@
           <a:p>
             <a:fld id="{D997B5FA-0921-464F-AAE1-844C04324D75}" type="datetimeFigureOut">
               <a:rPr lang="zh-CN" altLang="en-US" smtClean="0"/>
-              <a:t>2018/1/25</a:t>
+              <a:t>2018/1/28</a:t>
             </a:fld>
             <a:endParaRPr lang="zh-CN" altLang="en-US"/>
           </a:p>
@@ -1729,7 +1729,7 @@
           <a:p>
             <a:fld id="{D997B5FA-0921-464F-AAE1-844C04324D75}" type="datetimeFigureOut">
               <a:rPr lang="zh-CN" altLang="en-US" smtClean="0"/>
-              <a:t>2018/1/25</a:t>
+              <a:t>2018/1/28</a:t>
             </a:fld>
             <a:endParaRPr lang="zh-CN" altLang="en-US"/>
           </a:p>
@@ -1824,7 +1824,7 @@
           <a:p>
             <a:fld id="{D997B5FA-0921-464F-AAE1-844C04324D75}" type="datetimeFigureOut">
               <a:rPr lang="zh-CN" altLang="en-US" smtClean="0"/>
-              <a:t>2018/1/25</a:t>
+              <a:t>2018/1/28</a:t>
             </a:fld>
             <a:endParaRPr lang="zh-CN" altLang="en-US"/>
           </a:p>
@@ -2101,7 +2101,7 @@
           <a:p>
             <a:fld id="{D997B5FA-0921-464F-AAE1-844C04324D75}" type="datetimeFigureOut">
               <a:rPr lang="zh-CN" altLang="en-US" smtClean="0"/>
-              <a:t>2018/1/25</a:t>
+              <a:t>2018/1/28</a:t>
             </a:fld>
             <a:endParaRPr lang="zh-CN" altLang="en-US"/>
           </a:p>
@@ -2354,7 +2354,7 @@
           <a:p>
             <a:fld id="{D997B5FA-0921-464F-AAE1-844C04324D75}" type="datetimeFigureOut">
               <a:rPr lang="zh-CN" altLang="en-US" smtClean="0"/>
-              <a:t>2018/1/25</a:t>
+              <a:t>2018/1/28</a:t>
             </a:fld>
             <a:endParaRPr lang="zh-CN" altLang="en-US"/>
           </a:p>
@@ -2567,7 +2567,7 @@
           <a:p>
             <a:fld id="{D997B5FA-0921-464F-AAE1-844C04324D75}" type="datetimeFigureOut">
               <a:rPr lang="zh-CN" altLang="en-US" smtClean="0"/>
-              <a:t>2018/1/25</a:t>
+              <a:t>2018/1/28</a:t>
             </a:fld>
             <a:endParaRPr lang="zh-CN" altLang="en-US"/>
           </a:p>
@@ -3081,12 +3081,46 @@
             <p:ph idx="1"/>
           </p:nvPr>
         </p:nvSpPr>
-        <p:spPr/>
-        <p:txBody>
-          <a:bodyPr/>
-          <a:lstStyle/>
-          <a:p>
-            <a:endParaRPr lang="zh-CN" altLang="en-US"/>
+        <p:spPr>
+          <a:xfrm>
+            <a:off x="3593523" y="2982190"/>
+            <a:ext cx="4263736" cy="3023755"/>
+          </a:xfrm>
+        </p:spPr>
+        <p:txBody>
+          <a:bodyPr/>
+          <a:lstStyle/>
+          <a:p>
+            <a:r>
+              <a:rPr lang="zh-CN" altLang="en-US" dirty="0" smtClean="0"/>
+              <a:t>首先根据题目要求设计出游戏的基础方法和成员</a:t>
+            </a:r>
+            <a:r>
+              <a:rPr lang="en-US" altLang="zh-CN" dirty="0" smtClean="0"/>
+              <a:t>(</a:t>
+            </a:r>
+            <a:r>
+              <a:rPr lang="zh-CN" altLang="en-US" dirty="0" smtClean="0"/>
+              <a:t>如左侧</a:t>
+            </a:r>
+            <a:r>
+              <a:rPr lang="en-US" altLang="zh-CN" dirty="0" smtClean="0"/>
+              <a:t>)</a:t>
+            </a:r>
+          </a:p>
+          <a:p>
+            <a:r>
+              <a:rPr lang="zh-CN" altLang="en-US" dirty="0" smtClean="0"/>
+              <a:t>设计命中一个球的用例</a:t>
+            </a:r>
+            <a:endParaRPr lang="en-US" altLang="zh-CN" dirty="0" smtClean="0"/>
+          </a:p>
+          <a:p>
+            <a:r>
+              <a:rPr lang="zh-CN" altLang="en-US" dirty="0" smtClean="0"/>
+              <a:t>实现第一个用例</a:t>
+            </a:r>
+            <a:endParaRPr lang="zh-CN" altLang="en-US" dirty="0"/>
           </a:p>
         </p:txBody>
       </p:sp>
@@ -3106,7 +3140,7 @@
         </p:blipFill>
         <p:spPr>
           <a:xfrm>
-            <a:off x="5365173" y="2091243"/>
+            <a:off x="917863" y="2148068"/>
             <a:ext cx="2438400" cy="3486150"/>
           </a:xfrm>
           <a:prstGeom prst="rect">
@@ -3130,7 +3164,7 @@
         </p:blipFill>
         <p:spPr>
           <a:xfrm>
-            <a:off x="838200" y="2091243"/>
+            <a:off x="3593523" y="2148068"/>
             <a:ext cx="4381500" cy="571500"/>
           </a:xfrm>
           <a:prstGeom prst="rect">
@@ -3230,7 +3264,53 @@
           <a:bodyPr/>
           <a:lstStyle/>
           <a:p>
-            <a:endParaRPr lang="zh-CN" altLang="en-US"/>
+            <a:r>
+              <a:rPr lang="zh-CN" altLang="en-US" dirty="0" smtClean="0"/>
+              <a:t>设计第二个用例，</a:t>
+            </a:r>
+            <a:r>
+              <a:rPr lang="en-US" altLang="zh-CN" dirty="0" smtClean="0"/>
+              <a:t>MISS</a:t>
+            </a:r>
+            <a:r>
+              <a:rPr lang="zh-CN" altLang="en-US" dirty="0" smtClean="0"/>
+              <a:t>球处理</a:t>
+            </a:r>
+            <a:endParaRPr lang="en-US" altLang="zh-CN" dirty="0" smtClean="0"/>
+          </a:p>
+          <a:p>
+            <a:r>
+              <a:rPr lang="zh-CN" altLang="en-US" dirty="0" smtClean="0"/>
+              <a:t>增加</a:t>
+            </a:r>
+            <a:r>
+              <a:rPr lang="en-US" altLang="zh-CN" dirty="0" err="1" smtClean="0"/>
+              <a:t>isMISSROLL</a:t>
+            </a:r>
+            <a:r>
+              <a:rPr lang="zh-CN" altLang="en-US" dirty="0" smtClean="0"/>
+              <a:t>判断</a:t>
+            </a:r>
+            <a:endParaRPr lang="en-US" altLang="zh-CN" dirty="0" smtClean="0"/>
+          </a:p>
+          <a:p>
+            <a:r>
+              <a:rPr lang="zh-CN" altLang="en-US" dirty="0" smtClean="0"/>
+              <a:t>是</a:t>
+            </a:r>
+            <a:r>
+              <a:rPr lang="en-US" altLang="zh-CN" dirty="0" smtClean="0"/>
+              <a:t>miss</a:t>
+            </a:r>
+            <a:r>
+              <a:rPr lang="zh-CN" altLang="en-US" dirty="0" smtClean="0"/>
+              <a:t>返回计分</a:t>
+            </a:r>
+            <a:r>
+              <a:rPr lang="en-US" altLang="zh-CN" dirty="0" smtClean="0"/>
+              <a:t>0</a:t>
+            </a:r>
+            <a:endParaRPr lang="zh-CN" altLang="en-US" dirty="0"/>
           </a:p>
         </p:txBody>
       </p:sp>
@@ -3250,7 +3330,7 @@
         </p:blipFill>
         <p:spPr>
           <a:xfrm>
-            <a:off x="1089314" y="1942666"/>
+            <a:off x="6108555" y="1951614"/>
             <a:ext cx="4381500" cy="790575"/>
           </a:xfrm>
           <a:prstGeom prst="rect">
@@ -3274,7 +3354,7 @@
         </p:blipFill>
         <p:spPr>
           <a:xfrm>
-            <a:off x="944707" y="2868178"/>
+            <a:off x="4373707" y="2670247"/>
             <a:ext cx="6457950" cy="1800225"/>
           </a:xfrm>
           <a:prstGeom prst="rect">
@@ -3298,7 +3378,7 @@
         </p:blipFill>
         <p:spPr>
           <a:xfrm>
-            <a:off x="908339" y="4668403"/>
+            <a:off x="5075094" y="4367356"/>
             <a:ext cx="2371725" cy="1466850"/>
           </a:xfrm>
           <a:prstGeom prst="rect">
@@ -3322,7 +3402,7 @@
         </p:blipFill>
         <p:spPr>
           <a:xfrm>
-            <a:off x="4536930" y="4398529"/>
+            <a:off x="7591425" y="4367356"/>
             <a:ext cx="3762375" cy="1895475"/>
           </a:xfrm>
           <a:prstGeom prst="rect">
@@ -3399,7 +3479,7 @@
         </p:blipFill>
         <p:spPr>
           <a:xfrm>
-            <a:off x="951200" y="2091170"/>
+            <a:off x="5794663" y="1924916"/>
             <a:ext cx="4762500" cy="742950"/>
           </a:xfrm>
           <a:prstGeom prst="rect">
@@ -3423,8 +3503,81 @@
         </p:blipFill>
         <p:spPr>
           <a:xfrm>
-            <a:off x="951200" y="3234602"/>
+            <a:off x="4961659" y="3234602"/>
             <a:ext cx="6638925" cy="2495550"/>
+          </a:xfrm>
+          <a:prstGeom prst="rect">
+            <a:avLst/>
+          </a:prstGeom>
+        </p:spPr>
+      </p:pic>
+      <p:sp>
+        <p:nvSpPr>
+          <p:cNvPr id="3" name="文本框 2"/>
+          <p:cNvSpPr txBox="1"/>
+          <p:nvPr/>
+        </p:nvSpPr>
+        <p:spPr>
+          <a:xfrm>
+            <a:off x="1102084" y="4482377"/>
+            <a:ext cx="3613439" cy="923330"/>
+          </a:xfrm>
+          <a:prstGeom prst="rect">
+            <a:avLst/>
+          </a:prstGeom>
+          <a:noFill/>
+        </p:spPr>
+        <p:txBody>
+          <a:bodyPr wrap="square" rtlCol="0">
+            <a:spAutoFit/>
+          </a:bodyPr>
+          <a:lstStyle/>
+          <a:p>
+            <a:r>
+              <a:rPr lang="zh-CN" altLang="en-US" dirty="0" smtClean="0"/>
+              <a:t>增加</a:t>
+            </a:r>
+            <a:r>
+              <a:rPr lang="en-US" altLang="zh-CN" dirty="0" smtClean="0"/>
+              <a:t>spare</a:t>
+            </a:r>
+            <a:r>
+              <a:rPr lang="zh-CN" altLang="en-US" dirty="0" smtClean="0"/>
+              <a:t>情况</a:t>
+            </a:r>
+            <a:r>
+              <a:rPr lang="en-US" altLang="zh-CN" dirty="0" smtClean="0"/>
+              <a:t>,</a:t>
+            </a:r>
+            <a:r>
+              <a:rPr lang="zh-CN" altLang="en-US" smtClean="0"/>
+              <a:t>发现我们不能在逐个球进行处理，需要重构</a:t>
+            </a:r>
+            <a:endParaRPr lang="en-US" altLang="zh-CN" dirty="0" smtClean="0"/>
+          </a:p>
+          <a:p>
+            <a:endParaRPr lang="zh-CN" altLang="en-US" dirty="0"/>
+          </a:p>
+        </p:txBody>
+      </p:sp>
+      <p:pic>
+        <p:nvPicPr>
+          <p:cNvPr id="5" name="图片 4"/>
+          <p:cNvPicPr>
+            <a:picLocks noChangeAspect="1"/>
+          </p:cNvPicPr>
+          <p:nvPr/>
+        </p:nvPicPr>
+        <p:blipFill>
+          <a:blip r:embed="rId4"/>
+          <a:stretch>
+            <a:fillRect/>
+          </a:stretch>
+        </p:blipFill>
+        <p:spPr>
+          <a:xfrm>
+            <a:off x="1019607" y="1618418"/>
+            <a:ext cx="3778395" cy="2693809"/>
           </a:xfrm>
           <a:prstGeom prst="rect">
             <a:avLst/>
